--- a/figures/figure-ppts/supp-fig-1.pptx
+++ b/figures/figure-ppts/supp-fig-1.pptx
@@ -2,12 +2,12 @@
 <file path=ppt/presentation.xml><?xml version="1.0" encoding="utf-8"?>
 <p:presentation xmlns:a="http://schemas.openxmlformats.org/drawingml/2006/main" xmlns:r="http://schemas.openxmlformats.org/officeDocument/2006/relationships" xmlns:p="http://schemas.openxmlformats.org/presentationml/2006/main" saveSubsetFonts="1">
   <p:sldMasterIdLst>
-    <p:sldMasterId id="2147483660" r:id="rId1"/>
+    <p:sldMasterId id="2147483684" r:id="rId1"/>
   </p:sldMasterIdLst>
   <p:sldIdLst>
     <p:sldId id="256" r:id="rId2"/>
   </p:sldIdLst>
-  <p:sldSz cx="12192000" cy="9144000"/>
+  <p:sldSz cx="12192000" cy="7315200"/>
   <p:notesSz cx="6858000" cy="9144000"/>
   <p:defaultTextStyle>
     <a:defPPr>
@@ -104,6 +104,11 @@
       </a:defRPr>
     </a:lvl9pPr>
   </p:defaultTextStyle>
+  <p:extLst>
+    <p:ext uri="{EFAFB233-063F-42B5-8137-9DF3F51BA10A}">
+      <p15:sldGuideLst xmlns:p15="http://schemas.microsoft.com/office/powerpoint/2012/main"/>
+    </p:ext>
+  </p:extLst>
 </p:presentation>
 </file>
 
@@ -136,15 +141,15 @@
         </p:nvSpPr>
         <p:spPr>
           <a:xfrm>
-            <a:off x="914400" y="1496484"/>
-            <a:ext cx="10363200" cy="3183467"/>
+            <a:off x="1524000" y="1197187"/>
+            <a:ext cx="9144000" cy="2546773"/>
           </a:xfrm>
         </p:spPr>
         <p:txBody>
           <a:bodyPr anchor="b"/>
           <a:lstStyle>
             <a:lvl1pPr algn="ctr">
-              <a:defRPr sz="8000"/>
+              <a:defRPr sz="6000"/>
             </a:lvl1pPr>
           </a:lstStyle>
           <a:p>
@@ -168,8 +173,8 @@
         </p:nvSpPr>
         <p:spPr>
           <a:xfrm>
-            <a:off x="1524000" y="4802717"/>
-            <a:ext cx="9144000" cy="2207683"/>
+            <a:off x="1524000" y="3842174"/>
+            <a:ext cx="9144000" cy="1766146"/>
           </a:xfrm>
         </p:spPr>
         <p:txBody>
@@ -177,39 +182,39 @@
           <a:lstStyle>
             <a:lvl1pPr marL="0" indent="0" algn="ctr">
               <a:buNone/>
-              <a:defRPr sz="3200"/>
+              <a:defRPr sz="2400"/>
             </a:lvl1pPr>
-            <a:lvl2pPr marL="609585" indent="0" algn="ctr">
-              <a:buNone/>
-              <a:defRPr sz="2667"/>
+            <a:lvl2pPr marL="457200" indent="0" algn="ctr">
+              <a:buNone/>
+              <a:defRPr sz="2000"/>
             </a:lvl2pPr>
-            <a:lvl3pPr marL="1219170" indent="0" algn="ctr">
-              <a:buNone/>
-              <a:defRPr sz="2400"/>
+            <a:lvl3pPr marL="914400" indent="0" algn="ctr">
+              <a:buNone/>
+              <a:defRPr sz="1800"/>
             </a:lvl3pPr>
-            <a:lvl4pPr marL="1828754" indent="0" algn="ctr">
-              <a:buNone/>
-              <a:defRPr sz="2133"/>
+            <a:lvl4pPr marL="1371600" indent="0" algn="ctr">
+              <a:buNone/>
+              <a:defRPr sz="1600"/>
             </a:lvl4pPr>
-            <a:lvl5pPr marL="2438339" indent="0" algn="ctr">
-              <a:buNone/>
-              <a:defRPr sz="2133"/>
+            <a:lvl5pPr marL="1828800" indent="0" algn="ctr">
+              <a:buNone/>
+              <a:defRPr sz="1600"/>
             </a:lvl5pPr>
-            <a:lvl6pPr marL="3047924" indent="0" algn="ctr">
-              <a:buNone/>
-              <a:defRPr sz="2133"/>
+            <a:lvl6pPr marL="2286000" indent="0" algn="ctr">
+              <a:buNone/>
+              <a:defRPr sz="1600"/>
             </a:lvl6pPr>
-            <a:lvl7pPr marL="3657509" indent="0" algn="ctr">
-              <a:buNone/>
-              <a:defRPr sz="2133"/>
+            <a:lvl7pPr marL="2743200" indent="0" algn="ctr">
+              <a:buNone/>
+              <a:defRPr sz="1600"/>
             </a:lvl7pPr>
-            <a:lvl8pPr marL="4267093" indent="0" algn="ctr">
-              <a:buNone/>
-              <a:defRPr sz="2133"/>
+            <a:lvl8pPr marL="3200400" indent="0" algn="ctr">
+              <a:buNone/>
+              <a:defRPr sz="1600"/>
             </a:lvl8pPr>
-            <a:lvl9pPr marL="4876678" indent="0" algn="ctr">
-              <a:buNone/>
-              <a:defRPr sz="2133"/>
+            <a:lvl9pPr marL="3657600" indent="0" algn="ctr">
+              <a:buNone/>
+              <a:defRPr sz="1600"/>
             </a:lvl9pPr>
           </a:lstStyle>
           <a:p>
@@ -238,7 +243,7 @@
           <a:p>
             <a:fld id="{E4AFCDD1-6B73-4111-A737-77883E4428D4}" type="datetimeFigureOut">
               <a:rPr lang="en-US" smtClean="0"/>
-              <a:t>7/7/2021</a:t>
+              <a:t>8/27/2021</a:t>
             </a:fld>
             <a:endParaRPr lang="en-US"/>
           </a:p>
@@ -289,7 +294,7 @@
     </p:spTree>
     <p:extLst>
       <p:ext uri="{BB962C8B-B14F-4D97-AF65-F5344CB8AC3E}">
-        <p14:creationId xmlns:p14="http://schemas.microsoft.com/office/powerpoint/2010/main" val="2786782454"/>
+        <p14:creationId xmlns:p14="http://schemas.microsoft.com/office/powerpoint/2010/main" val="4065901498"/>
       </p:ext>
     </p:extLst>
   </p:cSld>
@@ -408,7 +413,7 @@
           <a:p>
             <a:fld id="{E4AFCDD1-6B73-4111-A737-77883E4428D4}" type="datetimeFigureOut">
               <a:rPr lang="en-US" smtClean="0"/>
-              <a:t>7/7/2021</a:t>
+              <a:t>8/27/2021</a:t>
             </a:fld>
             <a:endParaRPr lang="en-US"/>
           </a:p>
@@ -459,7 +464,7 @@
     </p:spTree>
     <p:extLst>
       <p:ext uri="{BB962C8B-B14F-4D97-AF65-F5344CB8AC3E}">
-        <p14:creationId xmlns:p14="http://schemas.microsoft.com/office/powerpoint/2010/main" val="358890960"/>
+        <p14:creationId xmlns:p14="http://schemas.microsoft.com/office/powerpoint/2010/main" val="36601794"/>
       </p:ext>
     </p:extLst>
   </p:cSld>
@@ -498,8 +503,8 @@
         </p:nvSpPr>
         <p:spPr>
           <a:xfrm>
-            <a:off x="8724901" y="486834"/>
-            <a:ext cx="2628900" cy="7749117"/>
+            <a:off x="8724900" y="389467"/>
+            <a:ext cx="2628900" cy="6199294"/>
           </a:xfrm>
         </p:spPr>
         <p:txBody>
@@ -526,8 +531,8 @@
         </p:nvSpPr>
         <p:spPr>
           <a:xfrm>
-            <a:off x="838201" y="486834"/>
-            <a:ext cx="7734300" cy="7749117"/>
+            <a:off x="838200" y="389467"/>
+            <a:ext cx="7734300" cy="6199294"/>
           </a:xfrm>
         </p:spPr>
         <p:txBody>
@@ -588,7 +593,7 @@
           <a:p>
             <a:fld id="{E4AFCDD1-6B73-4111-A737-77883E4428D4}" type="datetimeFigureOut">
               <a:rPr lang="en-US" smtClean="0"/>
-              <a:t>7/7/2021</a:t>
+              <a:t>8/27/2021</a:t>
             </a:fld>
             <a:endParaRPr lang="en-US"/>
           </a:p>
@@ -639,7 +644,7 @@
     </p:spTree>
     <p:extLst>
       <p:ext uri="{BB962C8B-B14F-4D97-AF65-F5344CB8AC3E}">
-        <p14:creationId xmlns:p14="http://schemas.microsoft.com/office/powerpoint/2010/main" val="2375801842"/>
+        <p14:creationId xmlns:p14="http://schemas.microsoft.com/office/powerpoint/2010/main" val="1160246412"/>
       </p:ext>
     </p:extLst>
   </p:cSld>
@@ -758,7 +763,7 @@
           <a:p>
             <a:fld id="{E4AFCDD1-6B73-4111-A737-77883E4428D4}" type="datetimeFigureOut">
               <a:rPr lang="en-US" smtClean="0"/>
-              <a:t>7/7/2021</a:t>
+              <a:t>8/27/2021</a:t>
             </a:fld>
             <a:endParaRPr lang="en-US"/>
           </a:p>
@@ -809,7 +814,7 @@
     </p:spTree>
     <p:extLst>
       <p:ext uri="{BB962C8B-B14F-4D97-AF65-F5344CB8AC3E}">
-        <p14:creationId xmlns:p14="http://schemas.microsoft.com/office/powerpoint/2010/main" val="1001842848"/>
+        <p14:creationId xmlns:p14="http://schemas.microsoft.com/office/powerpoint/2010/main" val="2639031019"/>
       </p:ext>
     </p:extLst>
   </p:cSld>
@@ -848,15 +853,15 @@
         </p:nvSpPr>
         <p:spPr>
           <a:xfrm>
-            <a:off x="831851" y="2279653"/>
-            <a:ext cx="10515600" cy="3803649"/>
+            <a:off x="831850" y="1823721"/>
+            <a:ext cx="10515600" cy="3042919"/>
           </a:xfrm>
         </p:spPr>
         <p:txBody>
           <a:bodyPr anchor="b"/>
           <a:lstStyle>
             <a:lvl1pPr>
-              <a:defRPr sz="8000"/>
+              <a:defRPr sz="6000"/>
             </a:lvl1pPr>
           </a:lstStyle>
           <a:p>
@@ -880,8 +885,8 @@
         </p:nvSpPr>
         <p:spPr>
           <a:xfrm>
-            <a:off x="831851" y="6119286"/>
-            <a:ext cx="10515600" cy="2000249"/>
+            <a:off x="831850" y="4895428"/>
+            <a:ext cx="10515600" cy="1600199"/>
           </a:xfrm>
         </p:spPr>
         <p:txBody>
@@ -889,15 +894,17 @@
           <a:lstStyle>
             <a:lvl1pPr marL="0" indent="0">
               <a:buNone/>
-              <a:defRPr sz="3200">
+              <a:defRPr sz="2400">
                 <a:solidFill>
-                  <a:schemeClr val="tx1"/>
+                  <a:schemeClr val="tx1">
+                    <a:tint val="75000"/>
+                  </a:schemeClr>
                 </a:solidFill>
               </a:defRPr>
             </a:lvl1pPr>
-            <a:lvl2pPr marL="609585" indent="0">
-              <a:buNone/>
-              <a:defRPr sz="2667">
+            <a:lvl2pPr marL="457200" indent="0">
+              <a:buNone/>
+              <a:defRPr sz="2000">
                 <a:solidFill>
                   <a:schemeClr val="tx1">
                     <a:tint val="75000"/>
@@ -905,9 +912,9 @@
                 </a:solidFill>
               </a:defRPr>
             </a:lvl2pPr>
-            <a:lvl3pPr marL="1219170" indent="0">
-              <a:buNone/>
-              <a:defRPr sz="2400">
+            <a:lvl3pPr marL="914400" indent="0">
+              <a:buNone/>
+              <a:defRPr sz="1800">
                 <a:solidFill>
                   <a:schemeClr val="tx1">
                     <a:tint val="75000"/>
@@ -915,9 +922,9 @@
                 </a:solidFill>
               </a:defRPr>
             </a:lvl3pPr>
-            <a:lvl4pPr marL="1828754" indent="0">
-              <a:buNone/>
-              <a:defRPr sz="2133">
+            <a:lvl4pPr marL="1371600" indent="0">
+              <a:buNone/>
+              <a:defRPr sz="1600">
                 <a:solidFill>
                   <a:schemeClr val="tx1">
                     <a:tint val="75000"/>
@@ -925,9 +932,9 @@
                 </a:solidFill>
               </a:defRPr>
             </a:lvl4pPr>
-            <a:lvl5pPr marL="2438339" indent="0">
-              <a:buNone/>
-              <a:defRPr sz="2133">
+            <a:lvl5pPr marL="1828800" indent="0">
+              <a:buNone/>
+              <a:defRPr sz="1600">
                 <a:solidFill>
                   <a:schemeClr val="tx1">
                     <a:tint val="75000"/>
@@ -935,9 +942,9 @@
                 </a:solidFill>
               </a:defRPr>
             </a:lvl5pPr>
-            <a:lvl6pPr marL="3047924" indent="0">
-              <a:buNone/>
-              <a:defRPr sz="2133">
+            <a:lvl6pPr marL="2286000" indent="0">
+              <a:buNone/>
+              <a:defRPr sz="1600">
                 <a:solidFill>
                   <a:schemeClr val="tx1">
                     <a:tint val="75000"/>
@@ -945,9 +952,9 @@
                 </a:solidFill>
               </a:defRPr>
             </a:lvl6pPr>
-            <a:lvl7pPr marL="3657509" indent="0">
-              <a:buNone/>
-              <a:defRPr sz="2133">
+            <a:lvl7pPr marL="2743200" indent="0">
+              <a:buNone/>
+              <a:defRPr sz="1600">
                 <a:solidFill>
                   <a:schemeClr val="tx1">
                     <a:tint val="75000"/>
@@ -955,9 +962,9 @@
                 </a:solidFill>
               </a:defRPr>
             </a:lvl7pPr>
-            <a:lvl8pPr marL="4267093" indent="0">
-              <a:buNone/>
-              <a:defRPr sz="2133">
+            <a:lvl8pPr marL="3200400" indent="0">
+              <a:buNone/>
+              <a:defRPr sz="1600">
                 <a:solidFill>
                   <a:schemeClr val="tx1">
                     <a:tint val="75000"/>
@@ -965,9 +972,9 @@
                 </a:solidFill>
               </a:defRPr>
             </a:lvl8pPr>
-            <a:lvl9pPr marL="4876678" indent="0">
-              <a:buNone/>
-              <a:defRPr sz="2133">
+            <a:lvl9pPr marL="3657600" indent="0">
+              <a:buNone/>
+              <a:defRPr sz="1600">
                 <a:solidFill>
                   <a:schemeClr val="tx1">
                     <a:tint val="75000"/>
@@ -1002,7 +1009,7 @@
           <a:p>
             <a:fld id="{E4AFCDD1-6B73-4111-A737-77883E4428D4}" type="datetimeFigureOut">
               <a:rPr lang="en-US" smtClean="0"/>
-              <a:t>7/7/2021</a:t>
+              <a:t>8/27/2021</a:t>
             </a:fld>
             <a:endParaRPr lang="en-US"/>
           </a:p>
@@ -1053,7 +1060,7 @@
     </p:spTree>
     <p:extLst>
       <p:ext uri="{BB962C8B-B14F-4D97-AF65-F5344CB8AC3E}">
-        <p14:creationId xmlns:p14="http://schemas.microsoft.com/office/powerpoint/2010/main" val="3359351902"/>
+        <p14:creationId xmlns:p14="http://schemas.microsoft.com/office/powerpoint/2010/main" val="3657763474"/>
       </p:ext>
     </p:extLst>
   </p:cSld>
@@ -1115,8 +1122,8 @@
         </p:nvSpPr>
         <p:spPr>
           <a:xfrm>
-            <a:off x="838200" y="2434167"/>
-            <a:ext cx="5181600" cy="5801784"/>
+            <a:off x="838200" y="1947333"/>
+            <a:ext cx="5181600" cy="4641427"/>
           </a:xfrm>
         </p:spPr>
         <p:txBody>
@@ -1172,8 +1179,8 @@
         </p:nvSpPr>
         <p:spPr>
           <a:xfrm>
-            <a:off x="6172200" y="2434167"/>
-            <a:ext cx="5181600" cy="5801784"/>
+            <a:off x="6172200" y="1947333"/>
+            <a:ext cx="5181600" cy="4641427"/>
           </a:xfrm>
         </p:spPr>
         <p:txBody>
@@ -1234,7 +1241,7 @@
           <a:p>
             <a:fld id="{E4AFCDD1-6B73-4111-A737-77883E4428D4}" type="datetimeFigureOut">
               <a:rPr lang="en-US" smtClean="0"/>
-              <a:t>7/7/2021</a:t>
+              <a:t>8/27/2021</a:t>
             </a:fld>
             <a:endParaRPr lang="en-US"/>
           </a:p>
@@ -1285,7 +1292,7 @@
     </p:spTree>
     <p:extLst>
       <p:ext uri="{BB962C8B-B14F-4D97-AF65-F5344CB8AC3E}">
-        <p14:creationId xmlns:p14="http://schemas.microsoft.com/office/powerpoint/2010/main" val="3086764666"/>
+        <p14:creationId xmlns:p14="http://schemas.microsoft.com/office/powerpoint/2010/main" val="4015322131"/>
       </p:ext>
     </p:extLst>
   </p:cSld>
@@ -1324,8 +1331,8 @@
         </p:nvSpPr>
         <p:spPr>
           <a:xfrm>
-            <a:off x="839788" y="486836"/>
-            <a:ext cx="10515600" cy="1767417"/>
+            <a:off x="839788" y="389467"/>
+            <a:ext cx="10515600" cy="1413934"/>
           </a:xfrm>
         </p:spPr>
         <p:txBody>
@@ -1352,8 +1359,8 @@
         </p:nvSpPr>
         <p:spPr>
           <a:xfrm>
-            <a:off x="839789" y="2241551"/>
-            <a:ext cx="5157787" cy="1098549"/>
+            <a:off x="839789" y="1793241"/>
+            <a:ext cx="5157787" cy="878839"/>
           </a:xfrm>
         </p:spPr>
         <p:txBody>
@@ -1361,39 +1368,39 @@
           <a:lstStyle>
             <a:lvl1pPr marL="0" indent="0">
               <a:buNone/>
-              <a:defRPr sz="3200" b="1"/>
+              <a:defRPr sz="2400" b="1"/>
             </a:lvl1pPr>
-            <a:lvl2pPr marL="609585" indent="0">
-              <a:buNone/>
-              <a:defRPr sz="2667" b="1"/>
+            <a:lvl2pPr marL="457200" indent="0">
+              <a:buNone/>
+              <a:defRPr sz="2000" b="1"/>
             </a:lvl2pPr>
-            <a:lvl3pPr marL="1219170" indent="0">
-              <a:buNone/>
-              <a:defRPr sz="2400" b="1"/>
+            <a:lvl3pPr marL="914400" indent="0">
+              <a:buNone/>
+              <a:defRPr sz="1800" b="1"/>
             </a:lvl3pPr>
-            <a:lvl4pPr marL="1828754" indent="0">
-              <a:buNone/>
-              <a:defRPr sz="2133" b="1"/>
+            <a:lvl4pPr marL="1371600" indent="0">
+              <a:buNone/>
+              <a:defRPr sz="1600" b="1"/>
             </a:lvl4pPr>
-            <a:lvl5pPr marL="2438339" indent="0">
-              <a:buNone/>
-              <a:defRPr sz="2133" b="1"/>
+            <a:lvl5pPr marL="1828800" indent="0">
+              <a:buNone/>
+              <a:defRPr sz="1600" b="1"/>
             </a:lvl5pPr>
-            <a:lvl6pPr marL="3047924" indent="0">
-              <a:buNone/>
-              <a:defRPr sz="2133" b="1"/>
+            <a:lvl6pPr marL="2286000" indent="0">
+              <a:buNone/>
+              <a:defRPr sz="1600" b="1"/>
             </a:lvl6pPr>
-            <a:lvl7pPr marL="3657509" indent="0">
-              <a:buNone/>
-              <a:defRPr sz="2133" b="1"/>
+            <a:lvl7pPr marL="2743200" indent="0">
+              <a:buNone/>
+              <a:defRPr sz="1600" b="1"/>
             </a:lvl7pPr>
-            <a:lvl8pPr marL="4267093" indent="0">
-              <a:buNone/>
-              <a:defRPr sz="2133" b="1"/>
+            <a:lvl8pPr marL="3200400" indent="0">
+              <a:buNone/>
+              <a:defRPr sz="1600" b="1"/>
             </a:lvl8pPr>
-            <a:lvl9pPr marL="4876678" indent="0">
-              <a:buNone/>
-              <a:defRPr sz="2133" b="1"/>
+            <a:lvl9pPr marL="3657600" indent="0">
+              <a:buNone/>
+              <a:defRPr sz="1600" b="1"/>
             </a:lvl9pPr>
           </a:lstStyle>
           <a:p>
@@ -1417,8 +1424,8 @@
         </p:nvSpPr>
         <p:spPr>
           <a:xfrm>
-            <a:off x="839789" y="3340100"/>
-            <a:ext cx="5157787" cy="4912784"/>
+            <a:off x="839789" y="2672080"/>
+            <a:ext cx="5157787" cy="3930227"/>
           </a:xfrm>
         </p:spPr>
         <p:txBody>
@@ -1474,8 +1481,8 @@
         </p:nvSpPr>
         <p:spPr>
           <a:xfrm>
-            <a:off x="6172201" y="2241551"/>
-            <a:ext cx="5183188" cy="1098549"/>
+            <a:off x="6172200" y="1793241"/>
+            <a:ext cx="5183188" cy="878839"/>
           </a:xfrm>
         </p:spPr>
         <p:txBody>
@@ -1483,39 +1490,39 @@
           <a:lstStyle>
             <a:lvl1pPr marL="0" indent="0">
               <a:buNone/>
-              <a:defRPr sz="3200" b="1"/>
+              <a:defRPr sz="2400" b="1"/>
             </a:lvl1pPr>
-            <a:lvl2pPr marL="609585" indent="0">
-              <a:buNone/>
-              <a:defRPr sz="2667" b="1"/>
+            <a:lvl2pPr marL="457200" indent="0">
+              <a:buNone/>
+              <a:defRPr sz="2000" b="1"/>
             </a:lvl2pPr>
-            <a:lvl3pPr marL="1219170" indent="0">
-              <a:buNone/>
-              <a:defRPr sz="2400" b="1"/>
+            <a:lvl3pPr marL="914400" indent="0">
+              <a:buNone/>
+              <a:defRPr sz="1800" b="1"/>
             </a:lvl3pPr>
-            <a:lvl4pPr marL="1828754" indent="0">
-              <a:buNone/>
-              <a:defRPr sz="2133" b="1"/>
+            <a:lvl4pPr marL="1371600" indent="0">
+              <a:buNone/>
+              <a:defRPr sz="1600" b="1"/>
             </a:lvl4pPr>
-            <a:lvl5pPr marL="2438339" indent="0">
-              <a:buNone/>
-              <a:defRPr sz="2133" b="1"/>
+            <a:lvl5pPr marL="1828800" indent="0">
+              <a:buNone/>
+              <a:defRPr sz="1600" b="1"/>
             </a:lvl5pPr>
-            <a:lvl6pPr marL="3047924" indent="0">
-              <a:buNone/>
-              <a:defRPr sz="2133" b="1"/>
+            <a:lvl6pPr marL="2286000" indent="0">
+              <a:buNone/>
+              <a:defRPr sz="1600" b="1"/>
             </a:lvl6pPr>
-            <a:lvl7pPr marL="3657509" indent="0">
-              <a:buNone/>
-              <a:defRPr sz="2133" b="1"/>
+            <a:lvl7pPr marL="2743200" indent="0">
+              <a:buNone/>
+              <a:defRPr sz="1600" b="1"/>
             </a:lvl7pPr>
-            <a:lvl8pPr marL="4267093" indent="0">
-              <a:buNone/>
-              <a:defRPr sz="2133" b="1"/>
+            <a:lvl8pPr marL="3200400" indent="0">
+              <a:buNone/>
+              <a:defRPr sz="1600" b="1"/>
             </a:lvl8pPr>
-            <a:lvl9pPr marL="4876678" indent="0">
-              <a:buNone/>
-              <a:defRPr sz="2133" b="1"/>
+            <a:lvl9pPr marL="3657600" indent="0">
+              <a:buNone/>
+              <a:defRPr sz="1600" b="1"/>
             </a:lvl9pPr>
           </a:lstStyle>
           <a:p>
@@ -1539,8 +1546,8 @@
         </p:nvSpPr>
         <p:spPr>
           <a:xfrm>
-            <a:off x="6172201" y="3340100"/>
-            <a:ext cx="5183188" cy="4912784"/>
+            <a:off x="6172200" y="2672080"/>
+            <a:ext cx="5183188" cy="3930227"/>
           </a:xfrm>
         </p:spPr>
         <p:txBody>
@@ -1601,7 +1608,7 @@
           <a:p>
             <a:fld id="{E4AFCDD1-6B73-4111-A737-77883E4428D4}" type="datetimeFigureOut">
               <a:rPr lang="en-US" smtClean="0"/>
-              <a:t>7/7/2021</a:t>
+              <a:t>8/27/2021</a:t>
             </a:fld>
             <a:endParaRPr lang="en-US"/>
           </a:p>
@@ -1652,7 +1659,7 @@
     </p:spTree>
     <p:extLst>
       <p:ext uri="{BB962C8B-B14F-4D97-AF65-F5344CB8AC3E}">
-        <p14:creationId xmlns:p14="http://schemas.microsoft.com/office/powerpoint/2010/main" val="366239145"/>
+        <p14:creationId xmlns:p14="http://schemas.microsoft.com/office/powerpoint/2010/main" val="169388179"/>
       </p:ext>
     </p:extLst>
   </p:cSld>
@@ -1719,7 +1726,7 @@
           <a:p>
             <a:fld id="{E4AFCDD1-6B73-4111-A737-77883E4428D4}" type="datetimeFigureOut">
               <a:rPr lang="en-US" smtClean="0"/>
-              <a:t>7/7/2021</a:t>
+              <a:t>8/27/2021</a:t>
             </a:fld>
             <a:endParaRPr lang="en-US"/>
           </a:p>
@@ -1770,7 +1777,7 @@
     </p:spTree>
     <p:extLst>
       <p:ext uri="{BB962C8B-B14F-4D97-AF65-F5344CB8AC3E}">
-        <p14:creationId xmlns:p14="http://schemas.microsoft.com/office/powerpoint/2010/main" val="3817706649"/>
+        <p14:creationId xmlns:p14="http://schemas.microsoft.com/office/powerpoint/2010/main" val="2720683319"/>
       </p:ext>
     </p:extLst>
   </p:cSld>
@@ -1814,7 +1821,7 @@
           <a:p>
             <a:fld id="{E4AFCDD1-6B73-4111-A737-77883E4428D4}" type="datetimeFigureOut">
               <a:rPr lang="en-US" smtClean="0"/>
-              <a:t>7/7/2021</a:t>
+              <a:t>8/27/2021</a:t>
             </a:fld>
             <a:endParaRPr lang="en-US"/>
           </a:p>
@@ -1865,7 +1872,7 @@
     </p:spTree>
     <p:extLst>
       <p:ext uri="{BB962C8B-B14F-4D97-AF65-F5344CB8AC3E}">
-        <p14:creationId xmlns:p14="http://schemas.microsoft.com/office/powerpoint/2010/main" val="3621580260"/>
+        <p14:creationId xmlns:p14="http://schemas.microsoft.com/office/powerpoint/2010/main" val="3469869831"/>
       </p:ext>
     </p:extLst>
   </p:cSld>
@@ -1904,15 +1911,15 @@
         </p:nvSpPr>
         <p:spPr>
           <a:xfrm>
-            <a:off x="839788" y="609600"/>
-            <a:ext cx="3932237" cy="2133600"/>
+            <a:off x="839789" y="487680"/>
+            <a:ext cx="3932237" cy="1706880"/>
           </a:xfrm>
         </p:spPr>
         <p:txBody>
           <a:bodyPr anchor="b"/>
           <a:lstStyle>
             <a:lvl1pPr>
-              <a:defRPr sz="4267"/>
+              <a:defRPr sz="3200"/>
             </a:lvl1pPr>
           </a:lstStyle>
           <a:p>
@@ -1936,39 +1943,39 @@
         </p:nvSpPr>
         <p:spPr>
           <a:xfrm>
-            <a:off x="5183188" y="1316569"/>
-            <a:ext cx="6172200" cy="6498167"/>
+            <a:off x="5183188" y="1053254"/>
+            <a:ext cx="6172200" cy="5198533"/>
           </a:xfrm>
         </p:spPr>
         <p:txBody>
           <a:bodyPr/>
           <a:lstStyle>
             <a:lvl1pPr>
-              <a:defRPr sz="4267"/>
+              <a:defRPr sz="3200"/>
             </a:lvl1pPr>
             <a:lvl2pPr>
-              <a:defRPr sz="3733"/>
+              <a:defRPr sz="2800"/>
             </a:lvl2pPr>
             <a:lvl3pPr>
-              <a:defRPr sz="3200"/>
+              <a:defRPr sz="2400"/>
             </a:lvl3pPr>
             <a:lvl4pPr>
-              <a:defRPr sz="2667"/>
+              <a:defRPr sz="2000"/>
             </a:lvl4pPr>
             <a:lvl5pPr>
-              <a:defRPr sz="2667"/>
+              <a:defRPr sz="2000"/>
             </a:lvl5pPr>
             <a:lvl6pPr>
-              <a:defRPr sz="2667"/>
+              <a:defRPr sz="2000"/>
             </a:lvl6pPr>
             <a:lvl7pPr>
-              <a:defRPr sz="2667"/>
+              <a:defRPr sz="2000"/>
             </a:lvl7pPr>
             <a:lvl8pPr>
-              <a:defRPr sz="2667"/>
+              <a:defRPr sz="2000"/>
             </a:lvl8pPr>
             <a:lvl9pPr>
-              <a:defRPr sz="2667"/>
+              <a:defRPr sz="2000"/>
             </a:lvl9pPr>
           </a:lstStyle>
           <a:p>
@@ -2021,8 +2028,8 @@
         </p:nvSpPr>
         <p:spPr>
           <a:xfrm>
-            <a:off x="839788" y="2743200"/>
-            <a:ext cx="3932237" cy="5082117"/>
+            <a:off x="839789" y="2194560"/>
+            <a:ext cx="3932237" cy="4065694"/>
           </a:xfrm>
         </p:spPr>
         <p:txBody>
@@ -2030,39 +2037,39 @@
           <a:lstStyle>
             <a:lvl1pPr marL="0" indent="0">
               <a:buNone/>
-              <a:defRPr sz="2133"/>
+              <a:defRPr sz="1600"/>
             </a:lvl1pPr>
-            <a:lvl2pPr marL="609585" indent="0">
-              <a:buNone/>
-              <a:defRPr sz="1867"/>
+            <a:lvl2pPr marL="457200" indent="0">
+              <a:buNone/>
+              <a:defRPr sz="1400"/>
             </a:lvl2pPr>
-            <a:lvl3pPr marL="1219170" indent="0">
-              <a:buNone/>
-              <a:defRPr sz="1600"/>
+            <a:lvl3pPr marL="914400" indent="0">
+              <a:buNone/>
+              <a:defRPr sz="1200"/>
             </a:lvl3pPr>
-            <a:lvl4pPr marL="1828754" indent="0">
-              <a:buNone/>
-              <a:defRPr sz="1333"/>
+            <a:lvl4pPr marL="1371600" indent="0">
+              <a:buNone/>
+              <a:defRPr sz="1000"/>
             </a:lvl4pPr>
-            <a:lvl5pPr marL="2438339" indent="0">
-              <a:buNone/>
-              <a:defRPr sz="1333"/>
+            <a:lvl5pPr marL="1828800" indent="0">
+              <a:buNone/>
+              <a:defRPr sz="1000"/>
             </a:lvl5pPr>
-            <a:lvl6pPr marL="3047924" indent="0">
-              <a:buNone/>
-              <a:defRPr sz="1333"/>
+            <a:lvl6pPr marL="2286000" indent="0">
+              <a:buNone/>
+              <a:defRPr sz="1000"/>
             </a:lvl6pPr>
-            <a:lvl7pPr marL="3657509" indent="0">
-              <a:buNone/>
-              <a:defRPr sz="1333"/>
+            <a:lvl7pPr marL="2743200" indent="0">
+              <a:buNone/>
+              <a:defRPr sz="1000"/>
             </a:lvl7pPr>
-            <a:lvl8pPr marL="4267093" indent="0">
-              <a:buNone/>
-              <a:defRPr sz="1333"/>
+            <a:lvl8pPr marL="3200400" indent="0">
+              <a:buNone/>
+              <a:defRPr sz="1000"/>
             </a:lvl8pPr>
-            <a:lvl9pPr marL="4876678" indent="0">
-              <a:buNone/>
-              <a:defRPr sz="1333"/>
+            <a:lvl9pPr marL="3657600" indent="0">
+              <a:buNone/>
+              <a:defRPr sz="1000"/>
             </a:lvl9pPr>
           </a:lstStyle>
           <a:p>
@@ -2091,7 +2098,7 @@
           <a:p>
             <a:fld id="{E4AFCDD1-6B73-4111-A737-77883E4428D4}" type="datetimeFigureOut">
               <a:rPr lang="en-US" smtClean="0"/>
-              <a:t>7/7/2021</a:t>
+              <a:t>8/27/2021</a:t>
             </a:fld>
             <a:endParaRPr lang="en-US"/>
           </a:p>
@@ -2142,7 +2149,7 @@
     </p:spTree>
     <p:extLst>
       <p:ext uri="{BB962C8B-B14F-4D97-AF65-F5344CB8AC3E}">
-        <p14:creationId xmlns:p14="http://schemas.microsoft.com/office/powerpoint/2010/main" val="4255988540"/>
+        <p14:creationId xmlns:p14="http://schemas.microsoft.com/office/powerpoint/2010/main" val="80889424"/>
       </p:ext>
     </p:extLst>
   </p:cSld>
@@ -2181,15 +2188,15 @@
         </p:nvSpPr>
         <p:spPr>
           <a:xfrm>
-            <a:off x="839788" y="609600"/>
-            <a:ext cx="3932237" cy="2133600"/>
+            <a:off x="839789" y="487680"/>
+            <a:ext cx="3932237" cy="1706880"/>
           </a:xfrm>
         </p:spPr>
         <p:txBody>
           <a:bodyPr anchor="b"/>
           <a:lstStyle>
             <a:lvl1pPr>
-              <a:defRPr sz="4267"/>
+              <a:defRPr sz="3200"/>
             </a:lvl1pPr>
           </a:lstStyle>
           <a:p>
@@ -2213,8 +2220,8 @@
         </p:nvSpPr>
         <p:spPr>
           <a:xfrm>
-            <a:off x="5183188" y="1316569"/>
-            <a:ext cx="6172200" cy="6498167"/>
+            <a:off x="5183188" y="1053254"/>
+            <a:ext cx="6172200" cy="5198533"/>
           </a:xfrm>
         </p:spPr>
         <p:txBody>
@@ -2222,39 +2229,39 @@
           <a:lstStyle>
             <a:lvl1pPr marL="0" indent="0">
               <a:buNone/>
-              <a:defRPr sz="4267"/>
+              <a:defRPr sz="3200"/>
             </a:lvl1pPr>
-            <a:lvl2pPr marL="609585" indent="0">
-              <a:buNone/>
-              <a:defRPr sz="3733"/>
+            <a:lvl2pPr marL="457200" indent="0">
+              <a:buNone/>
+              <a:defRPr sz="2800"/>
             </a:lvl2pPr>
-            <a:lvl3pPr marL="1219170" indent="0">
-              <a:buNone/>
-              <a:defRPr sz="3200"/>
+            <a:lvl3pPr marL="914400" indent="0">
+              <a:buNone/>
+              <a:defRPr sz="2400"/>
             </a:lvl3pPr>
-            <a:lvl4pPr marL="1828754" indent="0">
-              <a:buNone/>
-              <a:defRPr sz="2667"/>
+            <a:lvl4pPr marL="1371600" indent="0">
+              <a:buNone/>
+              <a:defRPr sz="2000"/>
             </a:lvl4pPr>
-            <a:lvl5pPr marL="2438339" indent="0">
-              <a:buNone/>
-              <a:defRPr sz="2667"/>
+            <a:lvl5pPr marL="1828800" indent="0">
+              <a:buNone/>
+              <a:defRPr sz="2000"/>
             </a:lvl5pPr>
-            <a:lvl6pPr marL="3047924" indent="0">
-              <a:buNone/>
-              <a:defRPr sz="2667"/>
+            <a:lvl6pPr marL="2286000" indent="0">
+              <a:buNone/>
+              <a:defRPr sz="2000"/>
             </a:lvl6pPr>
-            <a:lvl7pPr marL="3657509" indent="0">
-              <a:buNone/>
-              <a:defRPr sz="2667"/>
+            <a:lvl7pPr marL="2743200" indent="0">
+              <a:buNone/>
+              <a:defRPr sz="2000"/>
             </a:lvl7pPr>
-            <a:lvl8pPr marL="4267093" indent="0">
-              <a:buNone/>
-              <a:defRPr sz="2667"/>
+            <a:lvl8pPr marL="3200400" indent="0">
+              <a:buNone/>
+              <a:defRPr sz="2000"/>
             </a:lvl8pPr>
-            <a:lvl9pPr marL="4876678" indent="0">
-              <a:buNone/>
-              <a:defRPr sz="2667"/>
+            <a:lvl9pPr marL="3657600" indent="0">
+              <a:buNone/>
+              <a:defRPr sz="2000"/>
             </a:lvl9pPr>
           </a:lstStyle>
           <a:p>
@@ -2278,8 +2285,8 @@
         </p:nvSpPr>
         <p:spPr>
           <a:xfrm>
-            <a:off x="839788" y="2743200"/>
-            <a:ext cx="3932237" cy="5082117"/>
+            <a:off x="839789" y="2194560"/>
+            <a:ext cx="3932237" cy="4065694"/>
           </a:xfrm>
         </p:spPr>
         <p:txBody>
@@ -2287,39 +2294,39 @@
           <a:lstStyle>
             <a:lvl1pPr marL="0" indent="0">
               <a:buNone/>
-              <a:defRPr sz="2133"/>
+              <a:defRPr sz="1600"/>
             </a:lvl1pPr>
-            <a:lvl2pPr marL="609585" indent="0">
-              <a:buNone/>
-              <a:defRPr sz="1867"/>
+            <a:lvl2pPr marL="457200" indent="0">
+              <a:buNone/>
+              <a:defRPr sz="1400"/>
             </a:lvl2pPr>
-            <a:lvl3pPr marL="1219170" indent="0">
-              <a:buNone/>
-              <a:defRPr sz="1600"/>
+            <a:lvl3pPr marL="914400" indent="0">
+              <a:buNone/>
+              <a:defRPr sz="1200"/>
             </a:lvl3pPr>
-            <a:lvl4pPr marL="1828754" indent="0">
-              <a:buNone/>
-              <a:defRPr sz="1333"/>
+            <a:lvl4pPr marL="1371600" indent="0">
+              <a:buNone/>
+              <a:defRPr sz="1000"/>
             </a:lvl4pPr>
-            <a:lvl5pPr marL="2438339" indent="0">
-              <a:buNone/>
-              <a:defRPr sz="1333"/>
+            <a:lvl5pPr marL="1828800" indent="0">
+              <a:buNone/>
+              <a:defRPr sz="1000"/>
             </a:lvl5pPr>
-            <a:lvl6pPr marL="3047924" indent="0">
-              <a:buNone/>
-              <a:defRPr sz="1333"/>
+            <a:lvl6pPr marL="2286000" indent="0">
+              <a:buNone/>
+              <a:defRPr sz="1000"/>
             </a:lvl6pPr>
-            <a:lvl7pPr marL="3657509" indent="0">
-              <a:buNone/>
-              <a:defRPr sz="1333"/>
+            <a:lvl7pPr marL="2743200" indent="0">
+              <a:buNone/>
+              <a:defRPr sz="1000"/>
             </a:lvl7pPr>
-            <a:lvl8pPr marL="4267093" indent="0">
-              <a:buNone/>
-              <a:defRPr sz="1333"/>
+            <a:lvl8pPr marL="3200400" indent="0">
+              <a:buNone/>
+              <a:defRPr sz="1000"/>
             </a:lvl8pPr>
-            <a:lvl9pPr marL="4876678" indent="0">
-              <a:buNone/>
-              <a:defRPr sz="1333"/>
+            <a:lvl9pPr marL="3657600" indent="0">
+              <a:buNone/>
+              <a:defRPr sz="1000"/>
             </a:lvl9pPr>
           </a:lstStyle>
           <a:p>
@@ -2348,7 +2355,7 @@
           <a:p>
             <a:fld id="{E4AFCDD1-6B73-4111-A737-77883E4428D4}" type="datetimeFigureOut">
               <a:rPr lang="en-US" smtClean="0"/>
-              <a:t>7/7/2021</a:t>
+              <a:t>8/27/2021</a:t>
             </a:fld>
             <a:endParaRPr lang="en-US"/>
           </a:p>
@@ -2399,7 +2406,7 @@
     </p:spTree>
     <p:extLst>
       <p:ext uri="{BB962C8B-B14F-4D97-AF65-F5344CB8AC3E}">
-        <p14:creationId xmlns:p14="http://schemas.microsoft.com/office/powerpoint/2010/main" val="2180084026"/>
+        <p14:creationId xmlns:p14="http://schemas.microsoft.com/office/powerpoint/2010/main" val="3558304849"/>
       </p:ext>
     </p:extLst>
   </p:cSld>
@@ -2443,8 +2450,8 @@
         </p:nvSpPr>
         <p:spPr>
           <a:xfrm>
-            <a:off x="838200" y="486836"/>
-            <a:ext cx="10515600" cy="1767417"/>
+            <a:off x="838200" y="389467"/>
+            <a:ext cx="10515600" cy="1413934"/>
           </a:xfrm>
           <a:prstGeom prst="rect">
             <a:avLst/>
@@ -2476,8 +2483,8 @@
         </p:nvSpPr>
         <p:spPr>
           <a:xfrm>
-            <a:off x="838200" y="2434167"/>
-            <a:ext cx="10515600" cy="5801784"/>
+            <a:off x="838200" y="1947333"/>
+            <a:ext cx="10515600" cy="4641427"/>
           </a:xfrm>
           <a:prstGeom prst="rect">
             <a:avLst/>
@@ -2538,8 +2545,8 @@
         </p:nvSpPr>
         <p:spPr>
           <a:xfrm>
-            <a:off x="838200" y="8475136"/>
-            <a:ext cx="2743200" cy="486833"/>
+            <a:off x="838200" y="6780107"/>
+            <a:ext cx="2743200" cy="389467"/>
           </a:xfrm>
           <a:prstGeom prst="rect">
             <a:avLst/>
@@ -2549,7 +2556,7 @@
           <a:bodyPr vert="horz" lIns="91440" tIns="45720" rIns="91440" bIns="45720" rtlCol="0" anchor="ctr"/>
           <a:lstStyle>
             <a:lvl1pPr algn="l">
-              <a:defRPr sz="1600">
+              <a:defRPr sz="1200">
                 <a:solidFill>
                   <a:schemeClr val="tx1">
                     <a:tint val="75000"/>
@@ -2561,7 +2568,7 @@
           <a:p>
             <a:fld id="{E4AFCDD1-6B73-4111-A737-77883E4428D4}" type="datetimeFigureOut">
               <a:rPr lang="en-US" smtClean="0"/>
-              <a:t>7/7/2021</a:t>
+              <a:t>8/27/2021</a:t>
             </a:fld>
             <a:endParaRPr lang="en-US"/>
           </a:p>
@@ -2579,8 +2586,8 @@
         </p:nvSpPr>
         <p:spPr>
           <a:xfrm>
-            <a:off x="4038600" y="8475136"/>
-            <a:ext cx="4114800" cy="486833"/>
+            <a:off x="4038600" y="6780107"/>
+            <a:ext cx="4114800" cy="389467"/>
           </a:xfrm>
           <a:prstGeom prst="rect">
             <a:avLst/>
@@ -2590,7 +2597,7 @@
           <a:bodyPr vert="horz" lIns="91440" tIns="45720" rIns="91440" bIns="45720" rtlCol="0" anchor="ctr"/>
           <a:lstStyle>
             <a:lvl1pPr algn="ctr">
-              <a:defRPr sz="1600">
+              <a:defRPr sz="1200">
                 <a:solidFill>
                   <a:schemeClr val="tx1">
                     <a:tint val="75000"/>
@@ -2616,8 +2623,8 @@
         </p:nvSpPr>
         <p:spPr>
           <a:xfrm>
-            <a:off x="8610600" y="8475136"/>
-            <a:ext cx="2743200" cy="486833"/>
+            <a:off x="8610600" y="6780107"/>
+            <a:ext cx="2743200" cy="389467"/>
           </a:xfrm>
           <a:prstGeom prst="rect">
             <a:avLst/>
@@ -2627,7 +2634,7 @@
           <a:bodyPr vert="horz" lIns="91440" tIns="45720" rIns="91440" bIns="45720" rtlCol="0" anchor="ctr"/>
           <a:lstStyle>
             <a:lvl1pPr algn="r">
-              <a:defRPr sz="1600">
+              <a:defRPr sz="1200">
                 <a:solidFill>
                   <a:schemeClr val="tx1">
                     <a:tint val="75000"/>
@@ -2648,27 +2655,27 @@
     </p:spTree>
     <p:extLst>
       <p:ext uri="{BB962C8B-B14F-4D97-AF65-F5344CB8AC3E}">
-        <p14:creationId xmlns:p14="http://schemas.microsoft.com/office/powerpoint/2010/main" val="199673697"/>
+        <p14:creationId xmlns:p14="http://schemas.microsoft.com/office/powerpoint/2010/main" val="1030785542"/>
       </p:ext>
     </p:extLst>
   </p:cSld>
   <p:clrMap bg1="lt1" tx1="dk1" bg2="lt2" tx2="dk2" accent1="accent1" accent2="accent2" accent3="accent3" accent4="accent4" accent5="accent5" accent6="accent6" hlink="hlink" folHlink="folHlink"/>
   <p:sldLayoutIdLst>
-    <p:sldLayoutId id="2147483661" r:id="rId1"/>
-    <p:sldLayoutId id="2147483662" r:id="rId2"/>
-    <p:sldLayoutId id="2147483663" r:id="rId3"/>
-    <p:sldLayoutId id="2147483664" r:id="rId4"/>
-    <p:sldLayoutId id="2147483665" r:id="rId5"/>
-    <p:sldLayoutId id="2147483666" r:id="rId6"/>
-    <p:sldLayoutId id="2147483667" r:id="rId7"/>
-    <p:sldLayoutId id="2147483668" r:id="rId8"/>
-    <p:sldLayoutId id="2147483669" r:id="rId9"/>
-    <p:sldLayoutId id="2147483670" r:id="rId10"/>
-    <p:sldLayoutId id="2147483671" r:id="rId11"/>
+    <p:sldLayoutId id="2147483685" r:id="rId1"/>
+    <p:sldLayoutId id="2147483686" r:id="rId2"/>
+    <p:sldLayoutId id="2147483687" r:id="rId3"/>
+    <p:sldLayoutId id="2147483688" r:id="rId4"/>
+    <p:sldLayoutId id="2147483689" r:id="rId5"/>
+    <p:sldLayoutId id="2147483690" r:id="rId6"/>
+    <p:sldLayoutId id="2147483691" r:id="rId7"/>
+    <p:sldLayoutId id="2147483692" r:id="rId8"/>
+    <p:sldLayoutId id="2147483693" r:id="rId9"/>
+    <p:sldLayoutId id="2147483694" r:id="rId10"/>
+    <p:sldLayoutId id="2147483695" r:id="rId11"/>
   </p:sldLayoutIdLst>
   <p:txStyles>
     <p:titleStyle>
-      <a:lvl1pPr algn="l" defTabSz="1219170" rtl="0" eaLnBrk="1" latinLnBrk="0" hangingPunct="1">
+      <a:lvl1pPr algn="l" defTabSz="914400" rtl="0" eaLnBrk="1" latinLnBrk="0" hangingPunct="1">
         <a:lnSpc>
           <a:spcPct val="90000"/>
         </a:lnSpc>
@@ -2676,7 +2683,7 @@
           <a:spcPct val="0"/>
         </a:spcBef>
         <a:buNone/>
-        <a:defRPr sz="5867" kern="1200">
+        <a:defRPr sz="4400" kern="1200">
           <a:solidFill>
             <a:schemeClr val="tx1"/>
           </a:solidFill>
@@ -2687,16 +2694,16 @@
       </a:lvl1pPr>
     </p:titleStyle>
     <p:bodyStyle>
-      <a:lvl1pPr marL="304792" indent="-304792" algn="l" defTabSz="1219170" rtl="0" eaLnBrk="1" latinLnBrk="0" hangingPunct="1">
+      <a:lvl1pPr marL="228600" indent="-228600" algn="l" defTabSz="914400" rtl="0" eaLnBrk="1" latinLnBrk="0" hangingPunct="1">
         <a:lnSpc>
           <a:spcPct val="90000"/>
         </a:lnSpc>
         <a:spcBef>
-          <a:spcPts val="1333"/>
+          <a:spcPts val="1000"/>
         </a:spcBef>
         <a:buFont typeface="Arial" panose="020B0604020202020204" pitchFamily="34" charset="0"/>
         <a:buChar char="•"/>
-        <a:defRPr sz="3733" kern="1200">
+        <a:defRPr sz="2800" kern="1200">
           <a:solidFill>
             <a:schemeClr val="tx1"/>
           </a:solidFill>
@@ -2705,48 +2712,12 @@
           <a:cs typeface="+mn-cs"/>
         </a:defRPr>
       </a:lvl1pPr>
-      <a:lvl2pPr marL="914377" indent="-304792" algn="l" defTabSz="1219170" rtl="0" eaLnBrk="1" latinLnBrk="0" hangingPunct="1">
+      <a:lvl2pPr marL="685800" indent="-228600" algn="l" defTabSz="914400" rtl="0" eaLnBrk="1" latinLnBrk="0" hangingPunct="1">
         <a:lnSpc>
           <a:spcPct val="90000"/>
         </a:lnSpc>
         <a:spcBef>
-          <a:spcPts val="667"/>
-        </a:spcBef>
-        <a:buFont typeface="Arial" panose="020B0604020202020204" pitchFamily="34" charset="0"/>
-        <a:buChar char="•"/>
-        <a:defRPr sz="3200" kern="1200">
-          <a:solidFill>
-            <a:schemeClr val="tx1"/>
-          </a:solidFill>
-          <a:latin typeface="+mn-lt"/>
-          <a:ea typeface="+mn-ea"/>
-          <a:cs typeface="+mn-cs"/>
-        </a:defRPr>
-      </a:lvl2pPr>
-      <a:lvl3pPr marL="1523962" indent="-304792" algn="l" defTabSz="1219170" rtl="0" eaLnBrk="1" latinLnBrk="0" hangingPunct="1">
-        <a:lnSpc>
-          <a:spcPct val="90000"/>
-        </a:lnSpc>
-        <a:spcBef>
-          <a:spcPts val="667"/>
-        </a:spcBef>
-        <a:buFont typeface="Arial" panose="020B0604020202020204" pitchFamily="34" charset="0"/>
-        <a:buChar char="•"/>
-        <a:defRPr sz="2667" kern="1200">
-          <a:solidFill>
-            <a:schemeClr val="tx1"/>
-          </a:solidFill>
-          <a:latin typeface="+mn-lt"/>
-          <a:ea typeface="+mn-ea"/>
-          <a:cs typeface="+mn-cs"/>
-        </a:defRPr>
-      </a:lvl3pPr>
-      <a:lvl4pPr marL="2133547" indent="-304792" algn="l" defTabSz="1219170" rtl="0" eaLnBrk="1" latinLnBrk="0" hangingPunct="1">
-        <a:lnSpc>
-          <a:spcPct val="90000"/>
-        </a:lnSpc>
-        <a:spcBef>
-          <a:spcPts val="667"/>
+          <a:spcPts val="500"/>
         </a:spcBef>
         <a:buFont typeface="Arial" panose="020B0604020202020204" pitchFamily="34" charset="0"/>
         <a:buChar char="•"/>
@@ -2758,17 +2729,53 @@
           <a:ea typeface="+mn-ea"/>
           <a:cs typeface="+mn-cs"/>
         </a:defRPr>
-      </a:lvl4pPr>
-      <a:lvl5pPr marL="2743131" indent="-304792" algn="l" defTabSz="1219170" rtl="0" eaLnBrk="1" latinLnBrk="0" hangingPunct="1">
+      </a:lvl2pPr>
+      <a:lvl3pPr marL="1143000" indent="-228600" algn="l" defTabSz="914400" rtl="0" eaLnBrk="1" latinLnBrk="0" hangingPunct="1">
         <a:lnSpc>
           <a:spcPct val="90000"/>
         </a:lnSpc>
         <a:spcBef>
-          <a:spcPts val="667"/>
+          <a:spcPts val="500"/>
         </a:spcBef>
         <a:buFont typeface="Arial" panose="020B0604020202020204" pitchFamily="34" charset="0"/>
         <a:buChar char="•"/>
-        <a:defRPr sz="2400" kern="1200">
+        <a:defRPr sz="2000" kern="1200">
+          <a:solidFill>
+            <a:schemeClr val="tx1"/>
+          </a:solidFill>
+          <a:latin typeface="+mn-lt"/>
+          <a:ea typeface="+mn-ea"/>
+          <a:cs typeface="+mn-cs"/>
+        </a:defRPr>
+      </a:lvl3pPr>
+      <a:lvl4pPr marL="1600200" indent="-228600" algn="l" defTabSz="914400" rtl="0" eaLnBrk="1" latinLnBrk="0" hangingPunct="1">
+        <a:lnSpc>
+          <a:spcPct val="90000"/>
+        </a:lnSpc>
+        <a:spcBef>
+          <a:spcPts val="500"/>
+        </a:spcBef>
+        <a:buFont typeface="Arial" panose="020B0604020202020204" pitchFamily="34" charset="0"/>
+        <a:buChar char="•"/>
+        <a:defRPr sz="1800" kern="1200">
+          <a:solidFill>
+            <a:schemeClr val="tx1"/>
+          </a:solidFill>
+          <a:latin typeface="+mn-lt"/>
+          <a:ea typeface="+mn-ea"/>
+          <a:cs typeface="+mn-cs"/>
+        </a:defRPr>
+      </a:lvl4pPr>
+      <a:lvl5pPr marL="2057400" indent="-228600" algn="l" defTabSz="914400" rtl="0" eaLnBrk="1" latinLnBrk="0" hangingPunct="1">
+        <a:lnSpc>
+          <a:spcPct val="90000"/>
+        </a:lnSpc>
+        <a:spcBef>
+          <a:spcPts val="500"/>
+        </a:spcBef>
+        <a:buFont typeface="Arial" panose="020B0604020202020204" pitchFamily="34" charset="0"/>
+        <a:buChar char="•"/>
+        <a:defRPr sz="1800" kern="1200">
           <a:solidFill>
             <a:schemeClr val="tx1"/>
           </a:solidFill>
@@ -2777,16 +2784,16 @@
           <a:cs typeface="+mn-cs"/>
         </a:defRPr>
       </a:lvl5pPr>
-      <a:lvl6pPr marL="3352716" indent="-304792" algn="l" defTabSz="1219170" rtl="0" eaLnBrk="1" latinLnBrk="0" hangingPunct="1">
+      <a:lvl6pPr marL="2514600" indent="-228600" algn="l" defTabSz="914400" rtl="0" eaLnBrk="1" latinLnBrk="0" hangingPunct="1">
         <a:lnSpc>
           <a:spcPct val="90000"/>
         </a:lnSpc>
         <a:spcBef>
-          <a:spcPts val="667"/>
+          <a:spcPts val="500"/>
         </a:spcBef>
         <a:buFont typeface="Arial" panose="020B0604020202020204" pitchFamily="34" charset="0"/>
         <a:buChar char="•"/>
-        <a:defRPr sz="2400" kern="1200">
+        <a:defRPr sz="1800" kern="1200">
           <a:solidFill>
             <a:schemeClr val="tx1"/>
           </a:solidFill>
@@ -2795,16 +2802,16 @@
           <a:cs typeface="+mn-cs"/>
         </a:defRPr>
       </a:lvl6pPr>
-      <a:lvl7pPr marL="3962301" indent="-304792" algn="l" defTabSz="1219170" rtl="0" eaLnBrk="1" latinLnBrk="0" hangingPunct="1">
+      <a:lvl7pPr marL="2971800" indent="-228600" algn="l" defTabSz="914400" rtl="0" eaLnBrk="1" latinLnBrk="0" hangingPunct="1">
         <a:lnSpc>
           <a:spcPct val="90000"/>
         </a:lnSpc>
         <a:spcBef>
-          <a:spcPts val="667"/>
+          <a:spcPts val="500"/>
         </a:spcBef>
         <a:buFont typeface="Arial" panose="020B0604020202020204" pitchFamily="34" charset="0"/>
         <a:buChar char="•"/>
-        <a:defRPr sz="2400" kern="1200">
+        <a:defRPr sz="1800" kern="1200">
           <a:solidFill>
             <a:schemeClr val="tx1"/>
           </a:solidFill>
@@ -2813,16 +2820,16 @@
           <a:cs typeface="+mn-cs"/>
         </a:defRPr>
       </a:lvl7pPr>
-      <a:lvl8pPr marL="4571886" indent="-304792" algn="l" defTabSz="1219170" rtl="0" eaLnBrk="1" latinLnBrk="0" hangingPunct="1">
+      <a:lvl8pPr marL="3429000" indent="-228600" algn="l" defTabSz="914400" rtl="0" eaLnBrk="1" latinLnBrk="0" hangingPunct="1">
         <a:lnSpc>
           <a:spcPct val="90000"/>
         </a:lnSpc>
         <a:spcBef>
-          <a:spcPts val="667"/>
+          <a:spcPts val="500"/>
         </a:spcBef>
         <a:buFont typeface="Arial" panose="020B0604020202020204" pitchFamily="34" charset="0"/>
         <a:buChar char="•"/>
-        <a:defRPr sz="2400" kern="1200">
+        <a:defRPr sz="1800" kern="1200">
           <a:solidFill>
             <a:schemeClr val="tx1"/>
           </a:solidFill>
@@ -2831,16 +2838,16 @@
           <a:cs typeface="+mn-cs"/>
         </a:defRPr>
       </a:lvl8pPr>
-      <a:lvl9pPr marL="5181470" indent="-304792" algn="l" defTabSz="1219170" rtl="0" eaLnBrk="1" latinLnBrk="0" hangingPunct="1">
+      <a:lvl9pPr marL="3886200" indent="-228600" algn="l" defTabSz="914400" rtl="0" eaLnBrk="1" latinLnBrk="0" hangingPunct="1">
         <a:lnSpc>
           <a:spcPct val="90000"/>
         </a:lnSpc>
         <a:spcBef>
-          <a:spcPts val="667"/>
+          <a:spcPts val="500"/>
         </a:spcBef>
         <a:buFont typeface="Arial" panose="020B0604020202020204" pitchFamily="34" charset="0"/>
         <a:buChar char="•"/>
-        <a:defRPr sz="2400" kern="1200">
+        <a:defRPr sz="1800" kern="1200">
           <a:solidFill>
             <a:schemeClr val="tx1"/>
           </a:solidFill>
@@ -2854,8 +2861,8 @@
       <a:defPPr>
         <a:defRPr lang="en-US"/>
       </a:defPPr>
-      <a:lvl1pPr marL="0" algn="l" defTabSz="1219170" rtl="0" eaLnBrk="1" latinLnBrk="0" hangingPunct="1">
-        <a:defRPr sz="2400" kern="1200">
+      <a:lvl1pPr marL="0" algn="l" defTabSz="914400" rtl="0" eaLnBrk="1" latinLnBrk="0" hangingPunct="1">
+        <a:defRPr sz="1800" kern="1200">
           <a:solidFill>
             <a:schemeClr val="tx1"/>
           </a:solidFill>
@@ -2864,8 +2871,8 @@
           <a:cs typeface="+mn-cs"/>
         </a:defRPr>
       </a:lvl1pPr>
-      <a:lvl2pPr marL="609585" algn="l" defTabSz="1219170" rtl="0" eaLnBrk="1" latinLnBrk="0" hangingPunct="1">
-        <a:defRPr sz="2400" kern="1200">
+      <a:lvl2pPr marL="457200" algn="l" defTabSz="914400" rtl="0" eaLnBrk="1" latinLnBrk="0" hangingPunct="1">
+        <a:defRPr sz="1800" kern="1200">
           <a:solidFill>
             <a:schemeClr val="tx1"/>
           </a:solidFill>
@@ -2874,8 +2881,8 @@
           <a:cs typeface="+mn-cs"/>
         </a:defRPr>
       </a:lvl2pPr>
-      <a:lvl3pPr marL="1219170" algn="l" defTabSz="1219170" rtl="0" eaLnBrk="1" latinLnBrk="0" hangingPunct="1">
-        <a:defRPr sz="2400" kern="1200">
+      <a:lvl3pPr marL="914400" algn="l" defTabSz="914400" rtl="0" eaLnBrk="1" latinLnBrk="0" hangingPunct="1">
+        <a:defRPr sz="1800" kern="1200">
           <a:solidFill>
             <a:schemeClr val="tx1"/>
           </a:solidFill>
@@ -2884,8 +2891,8 @@
           <a:cs typeface="+mn-cs"/>
         </a:defRPr>
       </a:lvl3pPr>
-      <a:lvl4pPr marL="1828754" algn="l" defTabSz="1219170" rtl="0" eaLnBrk="1" latinLnBrk="0" hangingPunct="1">
-        <a:defRPr sz="2400" kern="1200">
+      <a:lvl4pPr marL="1371600" algn="l" defTabSz="914400" rtl="0" eaLnBrk="1" latinLnBrk="0" hangingPunct="1">
+        <a:defRPr sz="1800" kern="1200">
           <a:solidFill>
             <a:schemeClr val="tx1"/>
           </a:solidFill>
@@ -2894,8 +2901,8 @@
           <a:cs typeface="+mn-cs"/>
         </a:defRPr>
       </a:lvl4pPr>
-      <a:lvl5pPr marL="2438339" algn="l" defTabSz="1219170" rtl="0" eaLnBrk="1" latinLnBrk="0" hangingPunct="1">
-        <a:defRPr sz="2400" kern="1200">
+      <a:lvl5pPr marL="1828800" algn="l" defTabSz="914400" rtl="0" eaLnBrk="1" latinLnBrk="0" hangingPunct="1">
+        <a:defRPr sz="1800" kern="1200">
           <a:solidFill>
             <a:schemeClr val="tx1"/>
           </a:solidFill>
@@ -2904,8 +2911,8 @@
           <a:cs typeface="+mn-cs"/>
         </a:defRPr>
       </a:lvl5pPr>
-      <a:lvl6pPr marL="3047924" algn="l" defTabSz="1219170" rtl="0" eaLnBrk="1" latinLnBrk="0" hangingPunct="1">
-        <a:defRPr sz="2400" kern="1200">
+      <a:lvl6pPr marL="2286000" algn="l" defTabSz="914400" rtl="0" eaLnBrk="1" latinLnBrk="0" hangingPunct="1">
+        <a:defRPr sz="1800" kern="1200">
           <a:solidFill>
             <a:schemeClr val="tx1"/>
           </a:solidFill>
@@ -2914,8 +2921,8 @@
           <a:cs typeface="+mn-cs"/>
         </a:defRPr>
       </a:lvl6pPr>
-      <a:lvl7pPr marL="3657509" algn="l" defTabSz="1219170" rtl="0" eaLnBrk="1" latinLnBrk="0" hangingPunct="1">
-        <a:defRPr sz="2400" kern="1200">
+      <a:lvl7pPr marL="2743200" algn="l" defTabSz="914400" rtl="0" eaLnBrk="1" latinLnBrk="0" hangingPunct="1">
+        <a:defRPr sz="1800" kern="1200">
           <a:solidFill>
             <a:schemeClr val="tx1"/>
           </a:solidFill>
@@ -2924,8 +2931,8 @@
           <a:cs typeface="+mn-cs"/>
         </a:defRPr>
       </a:lvl7pPr>
-      <a:lvl8pPr marL="4267093" algn="l" defTabSz="1219170" rtl="0" eaLnBrk="1" latinLnBrk="0" hangingPunct="1">
-        <a:defRPr sz="2400" kern="1200">
+      <a:lvl8pPr marL="3200400" algn="l" defTabSz="914400" rtl="0" eaLnBrk="1" latinLnBrk="0" hangingPunct="1">
+        <a:defRPr sz="1800" kern="1200">
           <a:solidFill>
             <a:schemeClr val="tx1"/>
           </a:solidFill>
@@ -2934,8 +2941,8 @@
           <a:cs typeface="+mn-cs"/>
         </a:defRPr>
       </a:lvl8pPr>
-      <a:lvl9pPr marL="4876678" algn="l" defTabSz="1219170" rtl="0" eaLnBrk="1" latinLnBrk="0" hangingPunct="1">
-        <a:defRPr sz="2400" kern="1200">
+      <a:lvl9pPr marL="3657600" algn="l" defTabSz="914400" rtl="0" eaLnBrk="1" latinLnBrk="0" hangingPunct="1">
+        <a:defRPr sz="1800" kern="1200">
           <a:solidFill>
             <a:schemeClr val="tx1"/>
           </a:solidFill>
@@ -2968,10 +2975,10 @@
       </p:grpSpPr>
       <p:pic>
         <p:nvPicPr>
-          <p:cNvPr id="5" name="Picture 4" descr="A picture containing shape&#10;&#10;Description automatically generated">
+          <p:cNvPr id="3" name="Picture 2" descr="Chart, histogram&#10;&#10;Description automatically generated">
             <a:extLst>
               <a:ext uri="{FF2B5EF4-FFF2-40B4-BE49-F238E27FC236}">
-                <a16:creationId xmlns:a16="http://schemas.microsoft.com/office/drawing/2014/main" id="{1BED55D4-9846-46CE-8443-98371C54A790}"/>
+                <a16:creationId xmlns:a16="http://schemas.microsoft.com/office/drawing/2014/main" id="{26C33157-2C4A-4240-A9A4-9AB9A69BBB8B}"/>
               </a:ext>
             </a:extLst>
           </p:cNvPr>
@@ -2994,8 +3001,8 @@
         </p:blipFill>
         <p:spPr>
           <a:xfrm>
-            <a:off x="0" y="4135"/>
-            <a:ext cx="5656393" cy="3566160"/>
+            <a:off x="-2191" y="3657600"/>
+            <a:ext cx="5822802" cy="3657600"/>
           </a:xfrm>
           <a:prstGeom prst="rect">
             <a:avLst/>
@@ -3004,10 +3011,10 @@
       </p:pic>
       <p:pic>
         <p:nvPicPr>
-          <p:cNvPr id="7" name="Picture 6" descr="Table&#10;&#10;Description automatically generated">
+          <p:cNvPr id="6" name="Picture 5" descr="Chart, histogram&#10;&#10;Description automatically generated">
             <a:extLst>
               <a:ext uri="{FF2B5EF4-FFF2-40B4-BE49-F238E27FC236}">
-                <a16:creationId xmlns:a16="http://schemas.microsoft.com/office/drawing/2014/main" id="{A3DE76B0-8F29-4BB8-97A3-3789D96AEC84}"/>
+                <a16:creationId xmlns:a16="http://schemas.microsoft.com/office/drawing/2014/main" id="{5DCA5160-8FF4-40BD-A0F2-0B4664BD5727}"/>
               </a:ext>
             </a:extLst>
           </p:cNvPr>
@@ -3030,8 +3037,8 @@
         </p:blipFill>
         <p:spPr>
           <a:xfrm>
-            <a:off x="5664822" y="1751"/>
-            <a:ext cx="6515274" cy="3566160"/>
+            <a:off x="5973394" y="3643712"/>
+            <a:ext cx="5822802" cy="3657600"/>
           </a:xfrm>
           <a:prstGeom prst="rect">
             <a:avLst/>
@@ -3040,10 +3047,10 @@
       </p:pic>
       <p:pic>
         <p:nvPicPr>
-          <p:cNvPr id="9" name="Picture 8" descr="Chart, histogram&#10;&#10;Description automatically generated">
+          <p:cNvPr id="5" name="Picture 4" descr="A picture containing shape&#10;&#10;Description automatically generated">
             <a:extLst>
               <a:ext uri="{FF2B5EF4-FFF2-40B4-BE49-F238E27FC236}">
-                <a16:creationId xmlns:a16="http://schemas.microsoft.com/office/drawing/2014/main" id="{A0945812-6E13-4DF0-B834-3DE117AFAE5C}"/>
+                <a16:creationId xmlns:a16="http://schemas.microsoft.com/office/drawing/2014/main" id="{1BED55D4-9846-46CE-8443-98371C54A790}"/>
               </a:ext>
             </a:extLst>
           </p:cNvPr>
@@ -3066,8 +3073,8 @@
         </p:blipFill>
         <p:spPr>
           <a:xfrm>
-            <a:off x="0" y="3610130"/>
-            <a:ext cx="5953676" cy="3931920"/>
+            <a:off x="6701" y="12688"/>
+            <a:ext cx="5511358" cy="3474720"/>
           </a:xfrm>
           <a:prstGeom prst="rect">
             <a:avLst/>
@@ -3076,10 +3083,10 @@
       </p:pic>
       <p:pic>
         <p:nvPicPr>
-          <p:cNvPr id="11" name="Picture 10" descr="Chart, histogram&#10;&#10;Description automatically generated">
+          <p:cNvPr id="7" name="Picture 6" descr="Table&#10;&#10;Description automatically generated">
             <a:extLst>
               <a:ext uri="{FF2B5EF4-FFF2-40B4-BE49-F238E27FC236}">
-                <a16:creationId xmlns:a16="http://schemas.microsoft.com/office/drawing/2014/main" id="{0D12E803-A527-4EFE-85B5-DDF5D89EFEDC}"/>
+                <a16:creationId xmlns:a16="http://schemas.microsoft.com/office/drawing/2014/main" id="{A3DE76B0-8F29-4BB8-97A3-3789D96AEC84}"/>
               </a:ext>
             </a:extLst>
           </p:cNvPr>
@@ -3088,7 +3095,7 @@
           </p:cNvPicPr>
           <p:nvPr/>
         </p:nvPicPr>
-        <p:blipFill>
+        <p:blipFill rotWithShape="1">
           <a:blip r:embed="rId5">
             <a:extLst>
               <a:ext uri="{28A0092B-C50C-407E-A947-70E740481C1C}">
@@ -3096,14 +3103,13 @@
               </a:ext>
             </a:extLst>
           </a:blip>
-          <a:stretch>
-            <a:fillRect/>
-          </a:stretch>
+          <a:srcRect t="4003"/>
+          <a:stretch/>
         </p:blipFill>
         <p:spPr>
           <a:xfrm>
-            <a:off x="6218661" y="3566161"/>
-            <a:ext cx="5953675" cy="3931920"/>
+            <a:off x="5837488" y="10837"/>
+            <a:ext cx="6348215" cy="3335619"/>
           </a:xfrm>
           <a:prstGeom prst="rect">
             <a:avLst/>
@@ -3124,8 +3130,8 @@
         </p:nvSpPr>
         <p:spPr>
           <a:xfrm>
-            <a:off x="-33442" y="-123779"/>
-            <a:ext cx="524108" cy="646331"/>
+            <a:off x="6299" y="-98104"/>
+            <a:ext cx="471697" cy="590931"/>
           </a:xfrm>
           <a:prstGeom prst="rect">
             <a:avLst/>
@@ -3139,7 +3145,7 @@
           <a:lstStyle/>
           <a:p>
             <a:r>
-              <a:rPr lang="en-US" sz="3600" b="1" dirty="0"/>
+              <a:rPr lang="en-US" sz="3240" b="1" dirty="0"/>
               <a:t>A</a:t>
             </a:r>
           </a:p>
@@ -3159,8 +3165,8 @@
         </p:nvSpPr>
         <p:spPr>
           <a:xfrm>
-            <a:off x="5672262" y="-138646"/>
-            <a:ext cx="524108" cy="646331"/>
+            <a:off x="5837488" y="-98104"/>
+            <a:ext cx="471697" cy="590931"/>
           </a:xfrm>
           <a:prstGeom prst="rect">
             <a:avLst/>
@@ -3174,7 +3180,7 @@
           <a:lstStyle/>
           <a:p>
             <a:r>
-              <a:rPr lang="en-US" sz="3600" b="1" dirty="0"/>
+              <a:rPr lang="en-US" sz="3240" b="1" dirty="0"/>
               <a:t>B</a:t>
             </a:r>
           </a:p>
@@ -3194,8 +3200,8 @@
         </p:nvSpPr>
         <p:spPr>
           <a:xfrm>
-            <a:off x="5657394" y="3607746"/>
-            <a:ext cx="524108" cy="646331"/>
+            <a:off x="5820611" y="3395465"/>
+            <a:ext cx="471697" cy="590931"/>
           </a:xfrm>
           <a:prstGeom prst="rect">
             <a:avLst/>
@@ -3209,7 +3215,7 @@
           <a:lstStyle/>
           <a:p>
             <a:r>
-              <a:rPr lang="en-US" sz="3600" b="1" dirty="0"/>
+              <a:rPr lang="en-US" sz="3240" b="1" dirty="0"/>
               <a:t>D</a:t>
             </a:r>
           </a:p>
@@ -3229,8 +3235,8 @@
         </p:nvSpPr>
         <p:spPr>
           <a:xfrm>
-            <a:off x="0" y="3572679"/>
-            <a:ext cx="524108" cy="646331"/>
+            <a:off x="6299" y="3395465"/>
+            <a:ext cx="471697" cy="590931"/>
           </a:xfrm>
           <a:prstGeom prst="rect">
             <a:avLst/>
@@ -3244,7 +3250,7 @@
           <a:lstStyle/>
           <a:p>
             <a:r>
-              <a:rPr lang="en-US" sz="3600" b="1" dirty="0"/>
+              <a:rPr lang="en-US" sz="3240" b="1" dirty="0"/>
               <a:t>C</a:t>
             </a:r>
           </a:p>
